--- a/ppt/20210716.pptx
+++ b/ppt/20210716.pptx
@@ -19,6 +19,7 @@
     <p:sldId id="270" r:id="rId13"/>
     <p:sldId id="271" r:id="rId14"/>
     <p:sldId id="272" r:id="rId15"/>
+    <p:sldId id="273" r:id="rId16"/>
   </p:sldIdLst>
   <p:sldSz cx="12192000" cy="6858000"/>
   <p:notesSz cx="6858000" cy="9144000"/>
@@ -117,6 +118,11 @@
       </a:defRPr>
     </a:lvl9pPr>
   </p:defaultTextStyle>
+  <p:extLst>
+    <p:ext uri="{EFAFB233-063F-42B5-8137-9DF3F51BA10A}">
+      <p15:sldGuideLst xmlns:p15="http://schemas.microsoft.com/office/powerpoint/2012/main"/>
+    </p:ext>
+  </p:extLst>
 </p:presentation>
 </file>
 
@@ -6851,7 +6857,7 @@
         </p:blipFill>
         <p:spPr>
           <a:xfrm>
-            <a:off x="7257726" y="247077"/>
+            <a:off x="7257726" y="365125"/>
             <a:ext cx="4641350" cy="3181924"/>
           </a:xfrm>
           <a:prstGeom prst="rect">
@@ -7692,6 +7698,1357 @@
     <p:extLst>
       <p:ext uri="{BB962C8B-B14F-4D97-AF65-F5344CB8AC3E}">
         <p14:creationId xmlns:p14="http://schemas.microsoft.com/office/powerpoint/2010/main" val="3459903149"/>
+      </p:ext>
+    </p:extLst>
+  </p:cSld>
+  <p:clrMapOvr>
+    <a:masterClrMapping/>
+  </p:clrMapOvr>
+</p:sld>
+</file>
+
+<file path=ppt/slides/slide15.xml><?xml version="1.0" encoding="utf-8"?>
+<p:sld xmlns:a="http://schemas.openxmlformats.org/drawingml/2006/main" xmlns:r="http://schemas.openxmlformats.org/officeDocument/2006/relationships" xmlns:p="http://schemas.openxmlformats.org/presentationml/2006/main">
+  <p:cSld>
+    <p:spTree>
+      <p:nvGrpSpPr>
+        <p:cNvPr id="1" name=""/>
+        <p:cNvGrpSpPr/>
+        <p:nvPr/>
+      </p:nvGrpSpPr>
+      <p:grpSpPr>
+        <a:xfrm>
+          <a:off x="0" y="0"/>
+          <a:ext cx="0" cy="0"/>
+          <a:chOff x="0" y="0"/>
+          <a:chExt cx="0" cy="0"/>
+        </a:xfrm>
+      </p:grpSpPr>
+      <p:sp>
+        <p:nvSpPr>
+          <p:cNvPr id="2" name="제목 1">
+            <a:extLst>
+              <a:ext uri="{FF2B5EF4-FFF2-40B4-BE49-F238E27FC236}">
+                <a16:creationId xmlns:a16="http://schemas.microsoft.com/office/drawing/2014/main" id="{6CB7B3C0-AFC2-5F47-8204-F79A287CC085}"/>
+              </a:ext>
+            </a:extLst>
+          </p:cNvPr>
+          <p:cNvSpPr>
+            <a:spLocks noGrp="1"/>
+          </p:cNvSpPr>
+          <p:nvPr>
+            <p:ph type="title"/>
+          </p:nvPr>
+        </p:nvSpPr>
+        <p:spPr/>
+        <p:txBody>
+          <a:bodyPr/>
+          <a:lstStyle/>
+          <a:p>
+            <a:r>
+              <a:rPr kumimoji="1" lang="en-US" altLang="ko-KR" b="1" u="sng" dirty="0">
+                <a:latin typeface="NanumBarunGothic" panose="020B0603020101020101" pitchFamily="34" charset="-127"/>
+                <a:ea typeface="NanumBarunGothic" panose="020B0603020101020101" pitchFamily="34" charset="-127"/>
+              </a:rPr>
+              <a:t>Further Work</a:t>
+            </a:r>
+            <a:endParaRPr kumimoji="1" lang="ko-KR" altLang="en-US" b="1" u="sng" dirty="0">
+              <a:latin typeface="NanumBarunGothic" panose="020B0603020101020101" pitchFamily="34" charset="-127"/>
+              <a:ea typeface="NanumBarunGothic" panose="020B0603020101020101" pitchFamily="34" charset="-127"/>
+            </a:endParaRPr>
+          </a:p>
+        </p:txBody>
+      </p:sp>
+      <p:grpSp>
+        <p:nvGrpSpPr>
+          <p:cNvPr id="6" name="그룹 5">
+            <a:extLst>
+              <a:ext uri="{FF2B5EF4-FFF2-40B4-BE49-F238E27FC236}">
+                <a16:creationId xmlns:a16="http://schemas.microsoft.com/office/drawing/2014/main" id="{890589FD-700D-EA41-97FE-FC98E487FCED}"/>
+              </a:ext>
+            </a:extLst>
+          </p:cNvPr>
+          <p:cNvGrpSpPr/>
+          <p:nvPr/>
+        </p:nvGrpSpPr>
+        <p:grpSpPr>
+          <a:xfrm>
+            <a:off x="252513" y="1690688"/>
+            <a:ext cx="6337966" cy="3063831"/>
+            <a:chOff x="924620" y="1508577"/>
+            <a:chExt cx="10095681" cy="4880345"/>
+          </a:xfrm>
+        </p:grpSpPr>
+        <p:sp>
+          <p:nvSpPr>
+            <p:cNvPr id="7" name="TextBox 6">
+              <a:extLst>
+                <a:ext uri="{FF2B5EF4-FFF2-40B4-BE49-F238E27FC236}">
+                  <a16:creationId xmlns:a16="http://schemas.microsoft.com/office/drawing/2014/main" id="{3A5CCB33-5C0C-1E48-90FD-20981CBF8AC5}"/>
+                </a:ext>
+              </a:extLst>
+            </p:cNvPr>
+            <p:cNvSpPr txBox="1"/>
+            <p:nvPr/>
+          </p:nvSpPr>
+          <p:spPr>
+            <a:xfrm>
+              <a:off x="1567542" y="1508577"/>
+              <a:ext cx="919738" cy="367690"/>
+            </a:xfrm>
+            <a:prstGeom prst="rect">
+              <a:avLst/>
+            </a:prstGeom>
+            <a:noFill/>
+          </p:spPr>
+          <p:txBody>
+            <a:bodyPr wrap="none" rtlCol="0">
+              <a:spAutoFit/>
+            </a:bodyPr>
+            <a:lstStyle/>
+            <a:p>
+              <a:r>
+                <a:rPr kumimoji="1" lang="en-US" altLang="ko-KR" sz="900" b="1" dirty="0">
+                  <a:latin typeface="NanumBarunGothic" panose="020B0603020101020101" pitchFamily="34" charset="-127"/>
+                  <a:ea typeface="NanumBarunGothic" panose="020B0603020101020101" pitchFamily="34" charset="-127"/>
+                </a:rPr>
+                <a:t>Worker</a:t>
+              </a:r>
+              <a:endParaRPr kumimoji="1" lang="ko-KR" altLang="en-US" sz="900" b="1" dirty="0">
+                <a:latin typeface="NanumBarunGothic" panose="020B0603020101020101" pitchFamily="34" charset="-127"/>
+                <a:ea typeface="NanumBarunGothic" panose="020B0603020101020101" pitchFamily="34" charset="-127"/>
+              </a:endParaRPr>
+            </a:p>
+          </p:txBody>
+        </p:sp>
+        <p:sp>
+          <p:nvSpPr>
+            <p:cNvPr id="8" name="모서리가 둥근 직사각형 7">
+              <a:extLst>
+                <a:ext uri="{FF2B5EF4-FFF2-40B4-BE49-F238E27FC236}">
+                  <a16:creationId xmlns:a16="http://schemas.microsoft.com/office/drawing/2014/main" id="{FF5647AA-E42C-BB49-9893-2E5B27603258}"/>
+                </a:ext>
+              </a:extLst>
+            </p:cNvPr>
+            <p:cNvSpPr/>
+            <p:nvPr/>
+          </p:nvSpPr>
+          <p:spPr>
+            <a:xfrm>
+              <a:off x="1526595" y="3018516"/>
+              <a:ext cx="2056411" cy="809501"/>
+            </a:xfrm>
+            <a:prstGeom prst="roundRect">
+              <a:avLst/>
+            </a:prstGeom>
+            <a:ln w="28575"/>
+          </p:spPr>
+          <p:style>
+            <a:lnRef idx="2">
+              <a:schemeClr val="dk1"/>
+            </a:lnRef>
+            <a:fillRef idx="1">
+              <a:schemeClr val="lt1"/>
+            </a:fillRef>
+            <a:effectRef idx="0">
+              <a:schemeClr val="dk1"/>
+            </a:effectRef>
+            <a:fontRef idx="minor">
+              <a:schemeClr val="dk1"/>
+            </a:fontRef>
+          </p:style>
+          <p:txBody>
+            <a:bodyPr rtlCol="0" anchor="ctr"/>
+            <a:lstStyle/>
+            <a:p>
+              <a:pPr algn="ctr"/>
+              <a:r>
+                <a:rPr kumimoji="1" lang="en-US" altLang="ko-KR" sz="900" b="1" dirty="0">
+                  <a:latin typeface="NanumBarunGothic" panose="020B0603020101020101" pitchFamily="34" charset="-127"/>
+                  <a:ea typeface="NanumBarunGothic" panose="020B0603020101020101" pitchFamily="34" charset="-127"/>
+                </a:rPr>
+                <a:t>Scraper</a:t>
+              </a:r>
+              <a:endParaRPr kumimoji="1" lang="ko-KR" altLang="en-US" sz="900" b="1" dirty="0">
+                <a:latin typeface="NanumBarunGothic" panose="020B0603020101020101" pitchFamily="34" charset="-127"/>
+                <a:ea typeface="NanumBarunGothic" panose="020B0603020101020101" pitchFamily="34" charset="-127"/>
+              </a:endParaRPr>
+            </a:p>
+          </p:txBody>
+        </p:sp>
+        <p:sp>
+          <p:nvSpPr>
+            <p:cNvPr id="9" name="모서리가 둥근 직사각형 8">
+              <a:extLst>
+                <a:ext uri="{FF2B5EF4-FFF2-40B4-BE49-F238E27FC236}">
+                  <a16:creationId xmlns:a16="http://schemas.microsoft.com/office/drawing/2014/main" id="{2FC63561-1DE9-854B-AFB9-8C13B044C4F8}"/>
+                </a:ext>
+              </a:extLst>
+            </p:cNvPr>
+            <p:cNvSpPr/>
+            <p:nvPr/>
+          </p:nvSpPr>
+          <p:spPr>
+            <a:xfrm>
+              <a:off x="1567543" y="4939142"/>
+              <a:ext cx="2056411" cy="809501"/>
+            </a:xfrm>
+            <a:prstGeom prst="roundRect">
+              <a:avLst/>
+            </a:prstGeom>
+            <a:ln w="28575"/>
+          </p:spPr>
+          <p:style>
+            <a:lnRef idx="2">
+              <a:schemeClr val="dk1"/>
+            </a:lnRef>
+            <a:fillRef idx="1">
+              <a:schemeClr val="lt1"/>
+            </a:fillRef>
+            <a:effectRef idx="0">
+              <a:schemeClr val="dk1"/>
+            </a:effectRef>
+            <a:fontRef idx="minor">
+              <a:schemeClr val="dk1"/>
+            </a:fontRef>
+          </p:style>
+          <p:txBody>
+            <a:bodyPr rtlCol="0" anchor="ctr"/>
+            <a:lstStyle/>
+            <a:p>
+              <a:pPr algn="ctr"/>
+              <a:r>
+                <a:rPr kumimoji="1" lang="en-US" altLang="ko-KR" sz="900" b="1" dirty="0">
+                  <a:latin typeface="NanumBarunGothic" panose="020B0603020101020101" pitchFamily="34" charset="-127"/>
+                  <a:ea typeface="NanumBarunGothic" panose="020B0603020101020101" pitchFamily="34" charset="-127"/>
+                </a:rPr>
+                <a:t>Loader</a:t>
+              </a:r>
+              <a:endParaRPr kumimoji="1" lang="ko-KR" altLang="en-US" sz="900" b="1" dirty="0">
+                <a:latin typeface="NanumBarunGothic" panose="020B0603020101020101" pitchFamily="34" charset="-127"/>
+                <a:ea typeface="NanumBarunGothic" panose="020B0603020101020101" pitchFamily="34" charset="-127"/>
+              </a:endParaRPr>
+            </a:p>
+          </p:txBody>
+        </p:sp>
+        <p:cxnSp>
+          <p:nvCxnSpPr>
+            <p:cNvPr id="10" name="꺾인 연결선[E] 9">
+              <a:extLst>
+                <a:ext uri="{FF2B5EF4-FFF2-40B4-BE49-F238E27FC236}">
+                  <a16:creationId xmlns:a16="http://schemas.microsoft.com/office/drawing/2014/main" id="{64A7B6C7-C839-CF49-9541-599CA2454113}"/>
+                </a:ext>
+              </a:extLst>
+            </p:cNvPr>
+            <p:cNvCxnSpPr>
+              <a:cxnSpLocks/>
+              <a:stCxn id="8" idx="3"/>
+              <a:endCxn id="16" idx="1"/>
+            </p:cNvCxnSpPr>
+            <p:nvPr/>
+          </p:nvCxnSpPr>
+          <p:spPr>
+            <a:xfrm>
+              <a:off x="3583006" y="3423267"/>
+              <a:ext cx="2604038" cy="833726"/>
+            </a:xfrm>
+            <a:prstGeom prst="bentConnector3">
+              <a:avLst>
+                <a:gd name="adj1" fmla="val 50912"/>
+              </a:avLst>
+            </a:prstGeom>
+            <a:ln w="28575">
+              <a:solidFill>
+                <a:schemeClr val="tx1"/>
+              </a:solidFill>
+              <a:tailEnd type="triangle"/>
+            </a:ln>
+          </p:spPr>
+          <p:style>
+            <a:lnRef idx="1">
+              <a:schemeClr val="accent1"/>
+            </a:lnRef>
+            <a:fillRef idx="0">
+              <a:schemeClr val="accent1"/>
+            </a:fillRef>
+            <a:effectRef idx="0">
+              <a:schemeClr val="accent1"/>
+            </a:effectRef>
+            <a:fontRef idx="minor">
+              <a:schemeClr val="tx1"/>
+            </a:fontRef>
+          </p:style>
+        </p:cxnSp>
+        <p:cxnSp>
+          <p:nvCxnSpPr>
+            <p:cNvPr id="11" name="꺾인 연결선[E] 10">
+              <a:extLst>
+                <a:ext uri="{FF2B5EF4-FFF2-40B4-BE49-F238E27FC236}">
+                  <a16:creationId xmlns:a16="http://schemas.microsoft.com/office/drawing/2014/main" id="{ED21688A-F6EE-CC4C-BB2A-F08C90704F8A}"/>
+                </a:ext>
+              </a:extLst>
+            </p:cNvPr>
+            <p:cNvCxnSpPr>
+              <a:cxnSpLocks/>
+              <a:stCxn id="9" idx="3"/>
+              <a:endCxn id="16" idx="1"/>
+            </p:cNvCxnSpPr>
+            <p:nvPr/>
+          </p:nvCxnSpPr>
+          <p:spPr>
+            <a:xfrm flipV="1">
+              <a:off x="3623954" y="4256993"/>
+              <a:ext cx="2563090" cy="1086900"/>
+            </a:xfrm>
+            <a:prstGeom prst="bentConnector3">
+              <a:avLst/>
+            </a:prstGeom>
+            <a:ln w="28575">
+              <a:solidFill>
+                <a:schemeClr val="tx1"/>
+              </a:solidFill>
+              <a:tailEnd type="triangle"/>
+            </a:ln>
+          </p:spPr>
+          <p:style>
+            <a:lnRef idx="1">
+              <a:schemeClr val="accent1"/>
+            </a:lnRef>
+            <a:fillRef idx="0">
+              <a:schemeClr val="accent1"/>
+            </a:fillRef>
+            <a:effectRef idx="0">
+              <a:schemeClr val="accent1"/>
+            </a:effectRef>
+            <a:fontRef idx="minor">
+              <a:schemeClr val="tx1"/>
+            </a:fontRef>
+          </p:style>
+        </p:cxnSp>
+        <p:grpSp>
+          <p:nvGrpSpPr>
+            <p:cNvPr id="13" name="그룹 12">
+              <a:extLst>
+                <a:ext uri="{FF2B5EF4-FFF2-40B4-BE49-F238E27FC236}">
+                  <a16:creationId xmlns:a16="http://schemas.microsoft.com/office/drawing/2014/main" id="{E1397098-E721-0546-B3DB-2801E26860EE}"/>
+                </a:ext>
+              </a:extLst>
+            </p:cNvPr>
+            <p:cNvGrpSpPr/>
+            <p:nvPr/>
+          </p:nvGrpSpPr>
+          <p:grpSpPr>
+            <a:xfrm>
+              <a:off x="6187044" y="1836723"/>
+              <a:ext cx="4667003" cy="4444703"/>
+              <a:chOff x="6187044" y="1717972"/>
+              <a:chExt cx="4667003" cy="4444703"/>
+            </a:xfrm>
+          </p:grpSpPr>
+          <p:sp>
+            <p:nvSpPr>
+              <p:cNvPr id="16" name="모서리가 둥근 직사각형 15">
+                <a:extLst>
+                  <a:ext uri="{FF2B5EF4-FFF2-40B4-BE49-F238E27FC236}">
+                    <a16:creationId xmlns:a16="http://schemas.microsoft.com/office/drawing/2014/main" id="{6CAFD594-55E4-164D-9254-BA0CC064F675}"/>
+                  </a:ext>
+                </a:extLst>
+              </p:cNvPr>
+              <p:cNvSpPr/>
+              <p:nvPr/>
+            </p:nvSpPr>
+            <p:spPr>
+              <a:xfrm>
+                <a:off x="6187044" y="2113808"/>
+                <a:ext cx="4667003" cy="4048867"/>
+              </a:xfrm>
+              <a:prstGeom prst="roundRect">
+                <a:avLst/>
+              </a:prstGeom>
+              <a:noFill/>
+              <a:ln w="28575"/>
+            </p:spPr>
+            <p:style>
+              <a:lnRef idx="2">
+                <a:schemeClr val="dk1"/>
+              </a:lnRef>
+              <a:fillRef idx="1">
+                <a:schemeClr val="lt1"/>
+              </a:fillRef>
+              <a:effectRef idx="0">
+                <a:schemeClr val="dk1"/>
+              </a:effectRef>
+              <a:fontRef idx="minor">
+                <a:schemeClr val="dk1"/>
+              </a:fontRef>
+            </p:style>
+            <p:txBody>
+              <a:bodyPr rtlCol="0" anchor="ctr"/>
+              <a:lstStyle/>
+              <a:p>
+                <a:pPr algn="ctr"/>
+                <a:endParaRPr kumimoji="1" lang="ko-KR" altLang="en-US" sz="900" b="1" dirty="0">
+                  <a:latin typeface="NanumBarunGothic" panose="020B0603020101020101" pitchFamily="34" charset="-127"/>
+                  <a:ea typeface="NanumBarunGothic" panose="020B0603020101020101" pitchFamily="34" charset="-127"/>
+                </a:endParaRPr>
+              </a:p>
+            </p:txBody>
+          </p:sp>
+          <p:grpSp>
+            <p:nvGrpSpPr>
+              <p:cNvPr id="17" name="그룹 16">
+                <a:extLst>
+                  <a:ext uri="{FF2B5EF4-FFF2-40B4-BE49-F238E27FC236}">
+                    <a16:creationId xmlns:a16="http://schemas.microsoft.com/office/drawing/2014/main" id="{472B1561-5120-E54D-ACA6-72A902FB4C9B}"/>
+                  </a:ext>
+                </a:extLst>
+              </p:cNvPr>
+              <p:cNvGrpSpPr/>
+              <p:nvPr/>
+            </p:nvGrpSpPr>
+            <p:grpSpPr>
+              <a:xfrm>
+                <a:off x="8329550" y="2287979"/>
+                <a:ext cx="2056412" cy="3700523"/>
+                <a:chOff x="7024870" y="2495015"/>
+                <a:chExt cx="2056412" cy="3700523"/>
+              </a:xfrm>
+            </p:grpSpPr>
+            <p:sp>
+              <p:nvSpPr>
+                <p:cNvPr id="22" name="모서리가 둥근 직사각형 21">
+                  <a:extLst>
+                    <a:ext uri="{FF2B5EF4-FFF2-40B4-BE49-F238E27FC236}">
+                      <a16:creationId xmlns:a16="http://schemas.microsoft.com/office/drawing/2014/main" id="{FA732B5C-894B-D84E-8086-C605856B2F55}"/>
+                    </a:ext>
+                  </a:extLst>
+                </p:cNvPr>
+                <p:cNvSpPr/>
+                <p:nvPr/>
+              </p:nvSpPr>
+              <p:spPr>
+                <a:xfrm>
+                  <a:off x="7024871" y="2495015"/>
+                  <a:ext cx="2056411" cy="809501"/>
+                </a:xfrm>
+                <a:prstGeom prst="roundRect">
+                  <a:avLst/>
+                </a:prstGeom>
+                <a:ln w="28575"/>
+              </p:spPr>
+              <p:style>
+                <a:lnRef idx="2">
+                  <a:schemeClr val="dk1"/>
+                </a:lnRef>
+                <a:fillRef idx="1">
+                  <a:schemeClr val="lt1"/>
+                </a:fillRef>
+                <a:effectRef idx="0">
+                  <a:schemeClr val="dk1"/>
+                </a:effectRef>
+                <a:fontRef idx="minor">
+                  <a:schemeClr val="dk1"/>
+                </a:fontRef>
+              </p:style>
+              <p:txBody>
+                <a:bodyPr rtlCol="0" anchor="ctr"/>
+                <a:lstStyle/>
+                <a:p>
+                  <a:pPr algn="ctr"/>
+                  <a:r>
+                    <a:rPr kumimoji="1" lang="en-US" altLang="ko-KR" sz="900" b="1" dirty="0" err="1">
+                      <a:latin typeface="NanumBarunGothic" panose="020B0603020101020101" pitchFamily="34" charset="-127"/>
+                      <a:ea typeface="NanumBarunGothic" panose="020B0603020101020101" pitchFamily="34" charset="-127"/>
+                    </a:rPr>
+                    <a:t>UnitProcesser</a:t>
+                  </a:r>
+                  <a:endParaRPr kumimoji="1" lang="ko-KR" altLang="en-US" sz="900" b="1" dirty="0">
+                    <a:latin typeface="NanumBarunGothic" panose="020B0603020101020101" pitchFamily="34" charset="-127"/>
+                    <a:ea typeface="NanumBarunGothic" panose="020B0603020101020101" pitchFamily="34" charset="-127"/>
+                  </a:endParaRPr>
+                </a:p>
+              </p:txBody>
+            </p:sp>
+            <p:sp>
+              <p:nvSpPr>
+                <p:cNvPr id="23" name="모서리가 둥근 직사각형 22">
+                  <a:extLst>
+                    <a:ext uri="{FF2B5EF4-FFF2-40B4-BE49-F238E27FC236}">
+                      <a16:creationId xmlns:a16="http://schemas.microsoft.com/office/drawing/2014/main" id="{1EDEF931-2CDF-9340-B40F-78585DA3BB6F}"/>
+                    </a:ext>
+                  </a:extLst>
+                </p:cNvPr>
+                <p:cNvSpPr/>
+                <p:nvPr/>
+              </p:nvSpPr>
+              <p:spPr>
+                <a:xfrm>
+                  <a:off x="7024870" y="3553485"/>
+                  <a:ext cx="2056411" cy="809501"/>
+                </a:xfrm>
+                <a:prstGeom prst="roundRect">
+                  <a:avLst/>
+                </a:prstGeom>
+                <a:ln w="28575"/>
+              </p:spPr>
+              <p:style>
+                <a:lnRef idx="2">
+                  <a:schemeClr val="dk1"/>
+                </a:lnRef>
+                <a:fillRef idx="1">
+                  <a:schemeClr val="lt1"/>
+                </a:fillRef>
+                <a:effectRef idx="0">
+                  <a:schemeClr val="dk1"/>
+                </a:effectRef>
+                <a:fontRef idx="minor">
+                  <a:schemeClr val="dk1"/>
+                </a:fontRef>
+              </p:style>
+              <p:txBody>
+                <a:bodyPr rtlCol="0" anchor="ctr"/>
+                <a:lstStyle/>
+                <a:p>
+                  <a:pPr algn="ctr"/>
+                  <a:r>
+                    <a:rPr kumimoji="1" lang="en-US" altLang="ko-KR" sz="900" b="1" dirty="0" err="1">
+                      <a:latin typeface="NanumBarunGothic" panose="020B0603020101020101" pitchFamily="34" charset="-127"/>
+                      <a:ea typeface="NanumBarunGothic" panose="020B0603020101020101" pitchFamily="34" charset="-127"/>
+                    </a:rPr>
+                    <a:t>UnitProcesser</a:t>
+                  </a:r>
+                  <a:endParaRPr kumimoji="1" lang="ko-KR" altLang="en-US" sz="900" b="1" dirty="0">
+                    <a:latin typeface="NanumBarunGothic" panose="020B0603020101020101" pitchFamily="34" charset="-127"/>
+                    <a:ea typeface="NanumBarunGothic" panose="020B0603020101020101" pitchFamily="34" charset="-127"/>
+                  </a:endParaRPr>
+                </a:p>
+              </p:txBody>
+            </p:sp>
+            <p:sp>
+              <p:nvSpPr>
+                <p:cNvPr id="24" name="모서리가 둥근 직사각형 23">
+                  <a:extLst>
+                    <a:ext uri="{FF2B5EF4-FFF2-40B4-BE49-F238E27FC236}">
+                      <a16:creationId xmlns:a16="http://schemas.microsoft.com/office/drawing/2014/main" id="{EF98E9A2-DEB1-3744-B77F-12AB4D4BBEBE}"/>
+                    </a:ext>
+                  </a:extLst>
+                </p:cNvPr>
+                <p:cNvSpPr/>
+                <p:nvPr/>
+              </p:nvSpPr>
+              <p:spPr>
+                <a:xfrm>
+                  <a:off x="7024870" y="5386037"/>
+                  <a:ext cx="2056411" cy="809501"/>
+                </a:xfrm>
+                <a:prstGeom prst="roundRect">
+                  <a:avLst/>
+                </a:prstGeom>
+                <a:ln w="28575"/>
+              </p:spPr>
+              <p:style>
+                <a:lnRef idx="2">
+                  <a:schemeClr val="dk1"/>
+                </a:lnRef>
+                <a:fillRef idx="1">
+                  <a:schemeClr val="lt1"/>
+                </a:fillRef>
+                <a:effectRef idx="0">
+                  <a:schemeClr val="dk1"/>
+                </a:effectRef>
+                <a:fontRef idx="minor">
+                  <a:schemeClr val="dk1"/>
+                </a:fontRef>
+              </p:style>
+              <p:txBody>
+                <a:bodyPr rtlCol="0" anchor="ctr"/>
+                <a:lstStyle/>
+                <a:p>
+                  <a:pPr algn="ctr"/>
+                  <a:r>
+                    <a:rPr kumimoji="1" lang="en-US" altLang="ko-KR" sz="900" b="1" dirty="0" err="1">
+                      <a:latin typeface="NanumBarunGothic" panose="020B0603020101020101" pitchFamily="34" charset="-127"/>
+                      <a:ea typeface="NanumBarunGothic" panose="020B0603020101020101" pitchFamily="34" charset="-127"/>
+                    </a:rPr>
+                    <a:t>UnitProcesser</a:t>
+                  </a:r>
+                  <a:endParaRPr kumimoji="1" lang="ko-KR" altLang="en-US" sz="900" b="1" dirty="0">
+                    <a:latin typeface="NanumBarunGothic" panose="020B0603020101020101" pitchFamily="34" charset="-127"/>
+                    <a:ea typeface="NanumBarunGothic" panose="020B0603020101020101" pitchFamily="34" charset="-127"/>
+                  </a:endParaRPr>
+                </a:p>
+              </p:txBody>
+            </p:sp>
+          </p:grpSp>
+          <p:sp>
+            <p:nvSpPr>
+              <p:cNvPr id="18" name="TextBox 17">
+                <a:extLst>
+                  <a:ext uri="{FF2B5EF4-FFF2-40B4-BE49-F238E27FC236}">
+                    <a16:creationId xmlns:a16="http://schemas.microsoft.com/office/drawing/2014/main" id="{B32BD8FA-5755-6245-A744-7BA8425D4A0F}"/>
+                  </a:ext>
+                </a:extLst>
+              </p:cNvPr>
+              <p:cNvSpPr txBox="1"/>
+              <p:nvPr/>
+            </p:nvSpPr>
+            <p:spPr>
+              <a:xfrm>
+                <a:off x="6384150" y="1717972"/>
+                <a:ext cx="1387010" cy="367690"/>
+              </a:xfrm>
+              <a:prstGeom prst="rect">
+                <a:avLst/>
+              </a:prstGeom>
+              <a:noFill/>
+            </p:spPr>
+            <p:txBody>
+              <a:bodyPr wrap="none" rtlCol="0">
+                <a:spAutoFit/>
+              </a:bodyPr>
+              <a:lstStyle/>
+              <a:p>
+                <a:r>
+                  <a:rPr kumimoji="1" lang="en-US" altLang="ko-KR" sz="900" b="1" dirty="0" err="1">
+                    <a:latin typeface="NanumBarunGothic" panose="020B0603020101020101" pitchFamily="34" charset="-127"/>
+                    <a:ea typeface="NanumBarunGothic" panose="020B0603020101020101" pitchFamily="34" charset="-127"/>
+                  </a:rPr>
+                  <a:t>BigProcesser</a:t>
+                </a:r>
+                <a:endParaRPr kumimoji="1" lang="ko-KR" altLang="en-US" sz="900" b="1" dirty="0">
+                  <a:latin typeface="NanumBarunGothic" panose="020B0603020101020101" pitchFamily="34" charset="-127"/>
+                  <a:ea typeface="NanumBarunGothic" panose="020B0603020101020101" pitchFamily="34" charset="-127"/>
+                </a:endParaRPr>
+              </a:p>
+            </p:txBody>
+          </p:sp>
+          <p:sp>
+            <p:nvSpPr>
+              <p:cNvPr id="19" name="타원 18">
+                <a:extLst>
+                  <a:ext uri="{FF2B5EF4-FFF2-40B4-BE49-F238E27FC236}">
+                    <a16:creationId xmlns:a16="http://schemas.microsoft.com/office/drawing/2014/main" id="{2814C7F6-B7C1-C344-96CD-BA5BC82C55DC}"/>
+                  </a:ext>
+                </a:extLst>
+              </p:cNvPr>
+              <p:cNvSpPr/>
+              <p:nvPr/>
+            </p:nvSpPr>
+            <p:spPr>
+              <a:xfrm>
+                <a:off x="6552877" y="2495388"/>
+                <a:ext cx="1204183" cy="1204183"/>
+              </a:xfrm>
+              <a:prstGeom prst="ellipse">
+                <a:avLst/>
+              </a:prstGeom>
+              <a:noFill/>
+              <a:ln w="28575">
+                <a:solidFill>
+                  <a:schemeClr val="tx1"/>
+                </a:solidFill>
+              </a:ln>
+            </p:spPr>
+            <p:style>
+              <a:lnRef idx="2">
+                <a:schemeClr val="accent1">
+                  <a:shade val="50000"/>
+                </a:schemeClr>
+              </a:lnRef>
+              <a:fillRef idx="1">
+                <a:schemeClr val="accent1"/>
+              </a:fillRef>
+              <a:effectRef idx="0">
+                <a:schemeClr val="accent1"/>
+              </a:effectRef>
+              <a:fontRef idx="minor">
+                <a:schemeClr val="lt1"/>
+              </a:fontRef>
+            </p:style>
+            <p:txBody>
+              <a:bodyPr rtlCol="0" anchor="ctr"/>
+              <a:lstStyle/>
+              <a:p>
+                <a:pPr algn="ctr"/>
+                <a:r>
+                  <a:rPr kumimoji="1" lang="en-US" altLang="ko-KR" sz="900" b="1" dirty="0">
+                    <a:solidFill>
+                      <a:schemeClr val="tx1"/>
+                    </a:solidFill>
+                    <a:latin typeface="NanumBarunGothic" panose="020B0603020101020101" pitchFamily="34" charset="-127"/>
+                    <a:ea typeface="NanumBarunGothic" panose="020B0603020101020101" pitchFamily="34" charset="-127"/>
+                  </a:rPr>
+                  <a:t>Graph</a:t>
+                </a:r>
+                <a:endParaRPr kumimoji="1" lang="ko-KR" altLang="en-US" sz="900" b="1" dirty="0">
+                  <a:solidFill>
+                    <a:schemeClr val="tx1"/>
+                  </a:solidFill>
+                  <a:latin typeface="NanumBarunGothic" panose="020B0603020101020101" pitchFamily="34" charset="-127"/>
+                  <a:ea typeface="NanumBarunGothic" panose="020B0603020101020101" pitchFamily="34" charset="-127"/>
+                </a:endParaRPr>
+              </a:p>
+            </p:txBody>
+          </p:sp>
+          <p:sp>
+            <p:nvSpPr>
+              <p:cNvPr id="20" name="타원 19">
+                <a:extLst>
+                  <a:ext uri="{FF2B5EF4-FFF2-40B4-BE49-F238E27FC236}">
+                    <a16:creationId xmlns:a16="http://schemas.microsoft.com/office/drawing/2014/main" id="{765243DA-5844-8B40-A341-EE2B0BFC8B5D}"/>
+                  </a:ext>
+                </a:extLst>
+              </p:cNvPr>
+              <p:cNvSpPr/>
+              <p:nvPr/>
+            </p:nvSpPr>
+            <p:spPr>
+              <a:xfrm>
+                <a:off x="6552876" y="4329031"/>
+                <a:ext cx="1204183" cy="1204183"/>
+              </a:xfrm>
+              <a:prstGeom prst="ellipse">
+                <a:avLst/>
+              </a:prstGeom>
+              <a:noFill/>
+              <a:ln w="28575">
+                <a:solidFill>
+                  <a:schemeClr val="tx1"/>
+                </a:solidFill>
+              </a:ln>
+            </p:spPr>
+            <p:style>
+              <a:lnRef idx="2">
+                <a:schemeClr val="accent1">
+                  <a:shade val="50000"/>
+                </a:schemeClr>
+              </a:lnRef>
+              <a:fillRef idx="1">
+                <a:schemeClr val="accent1"/>
+              </a:fillRef>
+              <a:effectRef idx="0">
+                <a:schemeClr val="accent1"/>
+              </a:effectRef>
+              <a:fontRef idx="minor">
+                <a:schemeClr val="lt1"/>
+              </a:fontRef>
+            </p:style>
+            <p:txBody>
+              <a:bodyPr rtlCol="0" anchor="ctr"/>
+              <a:lstStyle/>
+              <a:p>
+                <a:pPr algn="ctr"/>
+                <a:r>
+                  <a:rPr kumimoji="1" lang="en-US" altLang="ko-KR" sz="900" b="1" dirty="0">
+                    <a:solidFill>
+                      <a:schemeClr val="tx1"/>
+                    </a:solidFill>
+                    <a:latin typeface="NanumBarunGothic" panose="020B0603020101020101" pitchFamily="34" charset="-127"/>
+                    <a:ea typeface="NanumBarunGothic" panose="020B0603020101020101" pitchFamily="34" charset="-127"/>
+                  </a:rPr>
+                  <a:t>Topics</a:t>
+                </a:r>
+                <a:endParaRPr kumimoji="1" lang="ko-KR" altLang="en-US" sz="900" b="1" dirty="0">
+                  <a:solidFill>
+                    <a:schemeClr val="tx1"/>
+                  </a:solidFill>
+                  <a:latin typeface="NanumBarunGothic" panose="020B0603020101020101" pitchFamily="34" charset="-127"/>
+                  <a:ea typeface="NanumBarunGothic" panose="020B0603020101020101" pitchFamily="34" charset="-127"/>
+                </a:endParaRPr>
+              </a:p>
+            </p:txBody>
+          </p:sp>
+          <p:sp>
+            <p:nvSpPr>
+              <p:cNvPr id="21" name="TextBox 20">
+                <a:extLst>
+                  <a:ext uri="{FF2B5EF4-FFF2-40B4-BE49-F238E27FC236}">
+                    <a16:creationId xmlns:a16="http://schemas.microsoft.com/office/drawing/2014/main" id="{10A98DB0-1FF9-5144-963D-13C56377AD1A}"/>
+                  </a:ext>
+                </a:extLst>
+              </p:cNvPr>
+              <p:cNvSpPr txBox="1"/>
+              <p:nvPr/>
+            </p:nvSpPr>
+            <p:spPr>
+              <a:xfrm>
+                <a:off x="9073821" y="4452222"/>
+                <a:ext cx="514766" cy="430506"/>
+              </a:xfrm>
+              <a:prstGeom prst="rect">
+                <a:avLst/>
+              </a:prstGeom>
+              <a:noFill/>
+            </p:spPr>
+            <p:txBody>
+              <a:bodyPr vert="eaVert" wrap="none" rtlCol="0">
+                <a:spAutoFit/>
+              </a:bodyPr>
+              <a:lstStyle/>
+              <a:p>
+                <a:pPr algn="ctr"/>
+                <a:r>
+                  <a:rPr kumimoji="1" lang="en-US" altLang="ko-KR" sz="900" b="1" dirty="0">
+                    <a:latin typeface="NanumBarunGothic" panose="020B0603020101020101" pitchFamily="34" charset="-127"/>
+                    <a:ea typeface="NanumBarunGothic" panose="020B0603020101020101" pitchFamily="34" charset="-127"/>
+                  </a:rPr>
+                  <a:t>. . . </a:t>
+                </a:r>
+                <a:endParaRPr kumimoji="1" lang="ko-KR" altLang="en-US" sz="900" b="1" dirty="0">
+                  <a:latin typeface="NanumBarunGothic" panose="020B0603020101020101" pitchFamily="34" charset="-127"/>
+                  <a:ea typeface="NanumBarunGothic" panose="020B0603020101020101" pitchFamily="34" charset="-127"/>
+                </a:endParaRPr>
+              </a:p>
+            </p:txBody>
+          </p:sp>
+        </p:grpSp>
+        <p:sp>
+          <p:nvSpPr>
+            <p:cNvPr id="15" name="모서리가 둥근 직사각형 14">
+              <a:extLst>
+                <a:ext uri="{FF2B5EF4-FFF2-40B4-BE49-F238E27FC236}">
+                  <a16:creationId xmlns:a16="http://schemas.microsoft.com/office/drawing/2014/main" id="{5AFD9E68-C616-E04C-A2E1-4E908A0110E6}"/>
+                </a:ext>
+              </a:extLst>
+            </p:cNvPr>
+            <p:cNvSpPr/>
+            <p:nvPr/>
+          </p:nvSpPr>
+          <p:spPr>
+            <a:xfrm>
+              <a:off x="924620" y="1809439"/>
+              <a:ext cx="10095681" cy="4579483"/>
+            </a:xfrm>
+            <a:prstGeom prst="roundRect">
+              <a:avLst/>
+            </a:prstGeom>
+            <a:noFill/>
+            <a:ln w="28575"/>
+          </p:spPr>
+          <p:style>
+            <a:lnRef idx="2">
+              <a:schemeClr val="dk1"/>
+            </a:lnRef>
+            <a:fillRef idx="1">
+              <a:schemeClr val="lt1"/>
+            </a:fillRef>
+            <a:effectRef idx="0">
+              <a:schemeClr val="dk1"/>
+            </a:effectRef>
+            <a:fontRef idx="minor">
+              <a:schemeClr val="dk1"/>
+            </a:fontRef>
+          </p:style>
+          <p:txBody>
+            <a:bodyPr rtlCol="0" anchor="ctr"/>
+            <a:lstStyle/>
+            <a:p>
+              <a:pPr algn="ctr"/>
+              <a:endParaRPr kumimoji="1" lang="ko-KR" altLang="en-US" sz="900" b="1" dirty="0">
+                <a:latin typeface="NanumBarunGothic" panose="020B0603020101020101" pitchFamily="34" charset="-127"/>
+                <a:ea typeface="NanumBarunGothic" panose="020B0603020101020101" pitchFamily="34" charset="-127"/>
+              </a:endParaRPr>
+            </a:p>
+          </p:txBody>
+        </p:sp>
+      </p:grpSp>
+      <p:grpSp>
+        <p:nvGrpSpPr>
+          <p:cNvPr id="4" name="그룹 3">
+            <a:extLst>
+              <a:ext uri="{FF2B5EF4-FFF2-40B4-BE49-F238E27FC236}">
+                <a16:creationId xmlns:a16="http://schemas.microsoft.com/office/drawing/2014/main" id="{5C6E02D4-326A-C046-B938-B10F00EF503E}"/>
+              </a:ext>
+            </a:extLst>
+          </p:cNvPr>
+          <p:cNvGrpSpPr/>
+          <p:nvPr/>
+        </p:nvGrpSpPr>
+        <p:grpSpPr>
+          <a:xfrm>
+            <a:off x="7173862" y="1179020"/>
+            <a:ext cx="4000991" cy="1212214"/>
+            <a:chOff x="7978137" y="933468"/>
+            <a:chExt cx="4000991" cy="1212214"/>
+          </a:xfrm>
+        </p:grpSpPr>
+        <p:pic>
+          <p:nvPicPr>
+            <p:cNvPr id="25" name="그림 24">
+              <a:extLst>
+                <a:ext uri="{FF2B5EF4-FFF2-40B4-BE49-F238E27FC236}">
+                  <a16:creationId xmlns:a16="http://schemas.microsoft.com/office/drawing/2014/main" id="{5A26A27B-D9A9-D548-9911-EB696E622D0C}"/>
+                </a:ext>
+              </a:extLst>
+            </p:cNvPr>
+            <p:cNvPicPr>
+              <a:picLocks noChangeAspect="1"/>
+            </p:cNvPicPr>
+            <p:nvPr/>
+          </p:nvPicPr>
+          <p:blipFill rotWithShape="1">
+            <a:blip r:embed="rId2"/>
+            <a:srcRect l="21934" t="9048" r="19084" b="10080"/>
+            <a:stretch/>
+          </p:blipFill>
+          <p:spPr>
+            <a:xfrm>
+              <a:off x="7978137" y="933468"/>
+              <a:ext cx="1768209" cy="1212214"/>
+            </a:xfrm>
+            <a:prstGeom prst="rect">
+              <a:avLst/>
+            </a:prstGeom>
+          </p:spPr>
+        </p:pic>
+        <p:pic>
+          <p:nvPicPr>
+            <p:cNvPr id="26" name="그림 25">
+              <a:extLst>
+                <a:ext uri="{FF2B5EF4-FFF2-40B4-BE49-F238E27FC236}">
+                  <a16:creationId xmlns:a16="http://schemas.microsoft.com/office/drawing/2014/main" id="{0C72BE14-89B8-C343-903F-7BE6437C3FC4}"/>
+                </a:ext>
+              </a:extLst>
+            </p:cNvPr>
+            <p:cNvPicPr>
+              <a:picLocks noChangeAspect="1"/>
+            </p:cNvPicPr>
+            <p:nvPr/>
+          </p:nvPicPr>
+          <p:blipFill rotWithShape="1">
+            <a:blip r:embed="rId3"/>
+            <a:srcRect l="12179" t="11103" r="9395" b="9814"/>
+            <a:stretch/>
+          </p:blipFill>
+          <p:spPr>
+            <a:xfrm>
+              <a:off x="9789802" y="962091"/>
+              <a:ext cx="2189326" cy="1103830"/>
+            </a:xfrm>
+            <a:prstGeom prst="rect">
+              <a:avLst/>
+            </a:prstGeom>
+          </p:spPr>
+        </p:pic>
+      </p:grpSp>
+      <p:grpSp>
+        <p:nvGrpSpPr>
+          <p:cNvPr id="27" name="그룹 26">
+            <a:extLst>
+              <a:ext uri="{FF2B5EF4-FFF2-40B4-BE49-F238E27FC236}">
+                <a16:creationId xmlns:a16="http://schemas.microsoft.com/office/drawing/2014/main" id="{66955D19-C066-E44B-A957-B1F0B0CDB2F1}"/>
+              </a:ext>
+            </a:extLst>
+          </p:cNvPr>
+          <p:cNvGrpSpPr/>
+          <p:nvPr/>
+        </p:nvGrpSpPr>
+        <p:grpSpPr>
+          <a:xfrm>
+            <a:off x="7168483" y="2671282"/>
+            <a:ext cx="4000991" cy="1212214"/>
+            <a:chOff x="7978137" y="933468"/>
+            <a:chExt cx="4000991" cy="1212214"/>
+          </a:xfrm>
+        </p:grpSpPr>
+        <p:pic>
+          <p:nvPicPr>
+            <p:cNvPr id="28" name="그림 27">
+              <a:extLst>
+                <a:ext uri="{FF2B5EF4-FFF2-40B4-BE49-F238E27FC236}">
+                  <a16:creationId xmlns:a16="http://schemas.microsoft.com/office/drawing/2014/main" id="{447B775B-99BE-644E-A167-6A2953F3F417}"/>
+                </a:ext>
+              </a:extLst>
+            </p:cNvPr>
+            <p:cNvPicPr>
+              <a:picLocks noChangeAspect="1"/>
+            </p:cNvPicPr>
+            <p:nvPr/>
+          </p:nvPicPr>
+          <p:blipFill rotWithShape="1">
+            <a:blip r:embed="rId2"/>
+            <a:srcRect l="21934" t="9048" r="19084" b="10080"/>
+            <a:stretch/>
+          </p:blipFill>
+          <p:spPr>
+            <a:xfrm>
+              <a:off x="7978137" y="933468"/>
+              <a:ext cx="1768209" cy="1212214"/>
+            </a:xfrm>
+            <a:prstGeom prst="rect">
+              <a:avLst/>
+            </a:prstGeom>
+          </p:spPr>
+        </p:pic>
+        <p:pic>
+          <p:nvPicPr>
+            <p:cNvPr id="29" name="그림 28">
+              <a:extLst>
+                <a:ext uri="{FF2B5EF4-FFF2-40B4-BE49-F238E27FC236}">
+                  <a16:creationId xmlns:a16="http://schemas.microsoft.com/office/drawing/2014/main" id="{7081E4CB-61CC-E94D-8A78-2557D5EFFF49}"/>
+                </a:ext>
+              </a:extLst>
+            </p:cNvPr>
+            <p:cNvPicPr>
+              <a:picLocks noChangeAspect="1"/>
+            </p:cNvPicPr>
+            <p:nvPr/>
+          </p:nvPicPr>
+          <p:blipFill rotWithShape="1">
+            <a:blip r:embed="rId3"/>
+            <a:srcRect l="12179" t="11103" r="9395" b="9814"/>
+            <a:stretch/>
+          </p:blipFill>
+          <p:spPr>
+            <a:xfrm>
+              <a:off x="9789802" y="962091"/>
+              <a:ext cx="2189326" cy="1103830"/>
+            </a:xfrm>
+            <a:prstGeom prst="rect">
+              <a:avLst/>
+            </a:prstGeom>
+          </p:spPr>
+        </p:pic>
+      </p:grpSp>
+      <p:grpSp>
+        <p:nvGrpSpPr>
+          <p:cNvPr id="30" name="그룹 29">
+            <a:extLst>
+              <a:ext uri="{FF2B5EF4-FFF2-40B4-BE49-F238E27FC236}">
+                <a16:creationId xmlns:a16="http://schemas.microsoft.com/office/drawing/2014/main" id="{8A7F635D-9DA4-9D40-8859-5091DEDF977F}"/>
+              </a:ext>
+            </a:extLst>
+          </p:cNvPr>
+          <p:cNvGrpSpPr/>
+          <p:nvPr/>
+        </p:nvGrpSpPr>
+        <p:grpSpPr>
+          <a:xfrm>
+            <a:off x="7176200" y="4754519"/>
+            <a:ext cx="4000991" cy="1212214"/>
+            <a:chOff x="7978137" y="933468"/>
+            <a:chExt cx="4000991" cy="1212214"/>
+          </a:xfrm>
+        </p:grpSpPr>
+        <p:pic>
+          <p:nvPicPr>
+            <p:cNvPr id="31" name="그림 30">
+              <a:extLst>
+                <a:ext uri="{FF2B5EF4-FFF2-40B4-BE49-F238E27FC236}">
+                  <a16:creationId xmlns:a16="http://schemas.microsoft.com/office/drawing/2014/main" id="{5676E964-5264-D84C-A0BD-4C38B779B91B}"/>
+                </a:ext>
+              </a:extLst>
+            </p:cNvPr>
+            <p:cNvPicPr>
+              <a:picLocks noChangeAspect="1"/>
+            </p:cNvPicPr>
+            <p:nvPr/>
+          </p:nvPicPr>
+          <p:blipFill rotWithShape="1">
+            <a:blip r:embed="rId2"/>
+            <a:srcRect l="21934" t="9048" r="19084" b="10080"/>
+            <a:stretch/>
+          </p:blipFill>
+          <p:spPr>
+            <a:xfrm>
+              <a:off x="7978137" y="933468"/>
+              <a:ext cx="1768209" cy="1212214"/>
+            </a:xfrm>
+            <a:prstGeom prst="rect">
+              <a:avLst/>
+            </a:prstGeom>
+          </p:spPr>
+        </p:pic>
+        <p:pic>
+          <p:nvPicPr>
+            <p:cNvPr id="32" name="그림 31">
+              <a:extLst>
+                <a:ext uri="{FF2B5EF4-FFF2-40B4-BE49-F238E27FC236}">
+                  <a16:creationId xmlns:a16="http://schemas.microsoft.com/office/drawing/2014/main" id="{7CD0B56D-FBB4-4849-B068-A7490E35ABC2}"/>
+                </a:ext>
+              </a:extLst>
+            </p:cNvPr>
+            <p:cNvPicPr>
+              <a:picLocks noChangeAspect="1"/>
+            </p:cNvPicPr>
+            <p:nvPr/>
+          </p:nvPicPr>
+          <p:blipFill rotWithShape="1">
+            <a:blip r:embed="rId3"/>
+            <a:srcRect l="12179" t="11103" r="9395" b="9814"/>
+            <a:stretch/>
+          </p:blipFill>
+          <p:spPr>
+            <a:xfrm>
+              <a:off x="9789802" y="962091"/>
+              <a:ext cx="2189326" cy="1103830"/>
+            </a:xfrm>
+            <a:prstGeom prst="rect">
+              <a:avLst/>
+            </a:prstGeom>
+          </p:spPr>
+        </p:pic>
+      </p:grpSp>
+      <p:sp>
+        <p:nvSpPr>
+          <p:cNvPr id="33" name="내용 개체 틀 2">
+            <a:extLst>
+              <a:ext uri="{FF2B5EF4-FFF2-40B4-BE49-F238E27FC236}">
+                <a16:creationId xmlns:a16="http://schemas.microsoft.com/office/drawing/2014/main" id="{030EA09A-3D0D-9145-B3A5-8440B008C7B1}"/>
+              </a:ext>
+            </a:extLst>
+          </p:cNvPr>
+          <p:cNvSpPr>
+            <a:spLocks noGrp="1"/>
+          </p:cNvSpPr>
+          <p:nvPr>
+            <p:ph idx="1"/>
+          </p:nvPr>
+        </p:nvSpPr>
+        <p:spPr>
+          <a:xfrm>
+            <a:off x="630427" y="4843334"/>
+            <a:ext cx="5257800" cy="2243869"/>
+          </a:xfrm>
+        </p:spPr>
+        <p:txBody>
+          <a:bodyPr>
+            <a:normAutofit/>
+          </a:bodyPr>
+          <a:lstStyle/>
+          <a:p>
+            <a:pPr>
+              <a:lnSpc>
+                <a:spcPct val="150000"/>
+              </a:lnSpc>
+            </a:pPr>
+            <a:r>
+              <a:rPr kumimoji="1" lang="en-US" altLang="ko-KR" sz="2400" b="1" dirty="0">
+                <a:latin typeface="NanumBarunGothic" panose="020B0603020101020101" pitchFamily="34" charset="-127"/>
+                <a:ea typeface="NanumBarunGothic" panose="020B0603020101020101" pitchFamily="34" charset="-127"/>
+              </a:rPr>
+              <a:t># Cluster &gt; 2000</a:t>
+            </a:r>
+          </a:p>
+          <a:p>
+            <a:pPr>
+              <a:lnSpc>
+                <a:spcPct val="150000"/>
+              </a:lnSpc>
+            </a:pPr>
+            <a:r>
+              <a:rPr kumimoji="1" lang="en-US" altLang="ko-KR" sz="2400" b="1" dirty="0">
+                <a:latin typeface="NanumBarunGothic" panose="020B0603020101020101" pitchFamily="34" charset="-127"/>
+                <a:ea typeface="NanumBarunGothic" panose="020B0603020101020101" pitchFamily="34" charset="-127"/>
+              </a:rPr>
+              <a:t>Hyperparameter Tuning</a:t>
+            </a:r>
+          </a:p>
+          <a:p>
+            <a:pPr>
+              <a:lnSpc>
+                <a:spcPct val="150000"/>
+              </a:lnSpc>
+            </a:pPr>
+            <a:r>
+              <a:rPr kumimoji="1" lang="en-US" altLang="ko-KR" sz="2400" b="1" dirty="0">
+                <a:latin typeface="NanumBarunGothic" panose="020B0603020101020101" pitchFamily="34" charset="-127"/>
+                <a:ea typeface="NanumBarunGothic" panose="020B0603020101020101" pitchFamily="34" charset="-127"/>
+              </a:rPr>
+              <a:t>Optimize</a:t>
+            </a:r>
+          </a:p>
+        </p:txBody>
+      </p:sp>
+      <p:cxnSp>
+        <p:nvCxnSpPr>
+          <p:cNvPr id="34" name="꺾인 연결선[E] 33">
+            <a:extLst>
+              <a:ext uri="{FF2B5EF4-FFF2-40B4-BE49-F238E27FC236}">
+                <a16:creationId xmlns:a16="http://schemas.microsoft.com/office/drawing/2014/main" id="{4DCE21BF-9CD6-E649-9060-8BFEDA57ECBF}"/>
+              </a:ext>
+            </a:extLst>
+          </p:cNvPr>
+          <p:cNvCxnSpPr>
+            <a:cxnSpLocks/>
+            <a:stCxn id="22" idx="3"/>
+            <a:endCxn id="25" idx="1"/>
+          </p:cNvCxnSpPr>
+          <p:nvPr/>
+        </p:nvCxnSpPr>
+        <p:spPr>
+          <a:xfrm flipV="1">
+            <a:off x="6192247" y="1785127"/>
+            <a:ext cx="981615" cy="723511"/>
+          </a:xfrm>
+          <a:prstGeom prst="bentConnector3">
+            <a:avLst/>
+          </a:prstGeom>
+          <a:ln w="19050">
+            <a:solidFill>
+              <a:schemeClr val="tx1"/>
+            </a:solidFill>
+            <a:prstDash val="sysDot"/>
+          </a:ln>
+        </p:spPr>
+        <p:style>
+          <a:lnRef idx="1">
+            <a:schemeClr val="accent1"/>
+          </a:lnRef>
+          <a:fillRef idx="0">
+            <a:schemeClr val="accent1"/>
+          </a:fillRef>
+          <a:effectRef idx="0">
+            <a:schemeClr val="accent1"/>
+          </a:effectRef>
+          <a:fontRef idx="minor">
+            <a:schemeClr val="tx1"/>
+          </a:fontRef>
+        </p:style>
+      </p:cxnSp>
+      <p:cxnSp>
+        <p:nvCxnSpPr>
+          <p:cNvPr id="36" name="꺾인 연결선[E] 35">
+            <a:extLst>
+              <a:ext uri="{FF2B5EF4-FFF2-40B4-BE49-F238E27FC236}">
+                <a16:creationId xmlns:a16="http://schemas.microsoft.com/office/drawing/2014/main" id="{19FFA512-9EC2-B04B-ACEE-F820A135C860}"/>
+              </a:ext>
+            </a:extLst>
+          </p:cNvPr>
+          <p:cNvCxnSpPr>
+            <a:cxnSpLocks/>
+            <a:stCxn id="23" idx="3"/>
+            <a:endCxn id="28" idx="1"/>
+          </p:cNvCxnSpPr>
+          <p:nvPr/>
+        </p:nvCxnSpPr>
+        <p:spPr>
+          <a:xfrm>
+            <a:off x="6192246" y="3173134"/>
+            <a:ext cx="976237" cy="104255"/>
+          </a:xfrm>
+          <a:prstGeom prst="bentConnector3">
+            <a:avLst>
+              <a:gd name="adj1" fmla="val 50000"/>
+            </a:avLst>
+          </a:prstGeom>
+          <a:ln w="19050">
+            <a:solidFill>
+              <a:schemeClr val="tx1"/>
+            </a:solidFill>
+            <a:prstDash val="sysDot"/>
+          </a:ln>
+        </p:spPr>
+        <p:style>
+          <a:lnRef idx="1">
+            <a:schemeClr val="accent1"/>
+          </a:lnRef>
+          <a:fillRef idx="0">
+            <a:schemeClr val="accent1"/>
+          </a:fillRef>
+          <a:effectRef idx="0">
+            <a:schemeClr val="accent1"/>
+          </a:effectRef>
+          <a:fontRef idx="minor">
+            <a:schemeClr val="tx1"/>
+          </a:fontRef>
+        </p:style>
+      </p:cxnSp>
+      <p:cxnSp>
+        <p:nvCxnSpPr>
+          <p:cNvPr id="39" name="꺾인 연결선[E] 38">
+            <a:extLst>
+              <a:ext uri="{FF2B5EF4-FFF2-40B4-BE49-F238E27FC236}">
+                <a16:creationId xmlns:a16="http://schemas.microsoft.com/office/drawing/2014/main" id="{0FAC2590-ACFD-554F-B783-1AA0977C36E7}"/>
+              </a:ext>
+            </a:extLst>
+          </p:cNvPr>
+          <p:cNvCxnSpPr>
+            <a:cxnSpLocks/>
+            <a:stCxn id="24" idx="3"/>
+            <a:endCxn id="31" idx="1"/>
+          </p:cNvCxnSpPr>
+          <p:nvPr/>
+        </p:nvCxnSpPr>
+        <p:spPr>
+          <a:xfrm>
+            <a:off x="6192246" y="4323592"/>
+            <a:ext cx="983954" cy="1037034"/>
+          </a:xfrm>
+          <a:prstGeom prst="bentConnector3">
+            <a:avLst>
+              <a:gd name="adj1" fmla="val 50000"/>
+            </a:avLst>
+          </a:prstGeom>
+          <a:ln w="19050">
+            <a:solidFill>
+              <a:schemeClr val="tx1"/>
+            </a:solidFill>
+            <a:prstDash val="sysDot"/>
+          </a:ln>
+        </p:spPr>
+        <p:style>
+          <a:lnRef idx="1">
+            <a:schemeClr val="accent1"/>
+          </a:lnRef>
+          <a:fillRef idx="0">
+            <a:schemeClr val="accent1"/>
+          </a:fillRef>
+          <a:effectRef idx="0">
+            <a:schemeClr val="accent1"/>
+          </a:effectRef>
+          <a:fontRef idx="minor">
+            <a:schemeClr val="tx1"/>
+          </a:fontRef>
+        </p:style>
+      </p:cxnSp>
+      <p:sp>
+        <p:nvSpPr>
+          <p:cNvPr id="42" name="TextBox 41">
+            <a:extLst>
+              <a:ext uri="{FF2B5EF4-FFF2-40B4-BE49-F238E27FC236}">
+                <a16:creationId xmlns:a16="http://schemas.microsoft.com/office/drawing/2014/main" id="{5B85A2E5-A4D3-4943-9A88-9988EA9B090F}"/>
+              </a:ext>
+            </a:extLst>
+          </p:cNvPr>
+          <p:cNvSpPr txBox="1"/>
+          <p:nvPr/>
+        </p:nvSpPr>
+        <p:spPr>
+          <a:xfrm>
+            <a:off x="8944409" y="4084596"/>
+            <a:ext cx="430887" cy="414537"/>
+          </a:xfrm>
+          <a:prstGeom prst="rect">
+            <a:avLst/>
+          </a:prstGeom>
+          <a:noFill/>
+        </p:spPr>
+        <p:txBody>
+          <a:bodyPr vert="eaVert" wrap="none" rtlCol="0">
+            <a:spAutoFit/>
+          </a:bodyPr>
+          <a:lstStyle/>
+          <a:p>
+            <a:pPr algn="ctr"/>
+            <a:r>
+              <a:rPr kumimoji="1" lang="en-US" altLang="ko-KR" sz="1600" b="1" dirty="0">
+                <a:latin typeface="NanumBarunGothic" panose="020B0603020101020101" pitchFamily="34" charset="-127"/>
+                <a:ea typeface="NanumBarunGothic" panose="020B0603020101020101" pitchFamily="34" charset="-127"/>
+              </a:rPr>
+              <a:t>. . . </a:t>
+            </a:r>
+            <a:endParaRPr kumimoji="1" lang="ko-KR" altLang="en-US" sz="1600" b="1" dirty="0">
+              <a:latin typeface="NanumBarunGothic" panose="020B0603020101020101" pitchFamily="34" charset="-127"/>
+              <a:ea typeface="NanumBarunGothic" panose="020B0603020101020101" pitchFamily="34" charset="-127"/>
+            </a:endParaRPr>
+          </a:p>
+        </p:txBody>
+      </p:sp>
+    </p:spTree>
+    <p:extLst>
+      <p:ext uri="{BB962C8B-B14F-4D97-AF65-F5344CB8AC3E}">
+        <p14:creationId xmlns:p14="http://schemas.microsoft.com/office/powerpoint/2010/main" val="4273091280"/>
       </p:ext>
     </p:extLst>
   </p:cSld>
